--- a/repport/front_page.pptx
+++ b/repport/front_page.pptx
@@ -136,18 +136,26 @@
   <pc:docChgLst>
     <pc:chgData name="Amalie Paulsen" userId="39cddf5216acb62b" providerId="LiveId" clId="{4231CD6D-ABDA-431A-9D55-240B6E9A8908}"/>
     <pc:docChg chg="modSld">
-      <pc:chgData name="Amalie Paulsen" userId="39cddf5216acb62b" providerId="LiveId" clId="{4231CD6D-ABDA-431A-9D55-240B6E9A8908}" dt="2022-04-26T15:39:42.391" v="9" actId="1076"/>
+      <pc:chgData name="Amalie Paulsen" userId="39cddf5216acb62b" providerId="LiveId" clId="{4231CD6D-ABDA-431A-9D55-240B6E9A8908}" dt="2022-06-15T14:11:15.523" v="33" actId="1076"/>
       <pc:docMkLst>
         <pc:docMk/>
       </pc:docMkLst>
-      <pc:sldChg chg="modSp mod">
-        <pc:chgData name="Amalie Paulsen" userId="39cddf5216acb62b" providerId="LiveId" clId="{4231CD6D-ABDA-431A-9D55-240B6E9A8908}" dt="2022-04-26T15:39:42.391" v="9" actId="1076"/>
+      <pc:sldChg chg="addSp modSp mod">
+        <pc:chgData name="Amalie Paulsen" userId="39cddf5216acb62b" providerId="LiveId" clId="{4231CD6D-ABDA-431A-9D55-240B6E9A8908}" dt="2022-06-15T14:11:15.523" v="33" actId="1076"/>
         <pc:sldMkLst>
           <pc:docMk/>
           <pc:sldMk cId="2361593253" sldId="256"/>
         </pc:sldMkLst>
+        <pc:picChg chg="add mod modCrop">
+          <ac:chgData name="Amalie Paulsen" userId="39cddf5216acb62b" providerId="LiveId" clId="{4231CD6D-ABDA-431A-9D55-240B6E9A8908}" dt="2022-06-15T14:11:08.148" v="32" actId="1076"/>
+          <ac:picMkLst>
+            <pc:docMk/>
+            <pc:sldMk cId="2361593253" sldId="256"/>
+            <ac:picMk id="3" creationId="{EEE7232D-0A47-BA77-AF62-A23C5798932C}"/>
+          </ac:picMkLst>
+        </pc:picChg>
         <pc:picChg chg="mod">
-          <ac:chgData name="Amalie Paulsen" userId="39cddf5216acb62b" providerId="LiveId" clId="{4231CD6D-ABDA-431A-9D55-240B6E9A8908}" dt="2022-04-26T15:39:42.391" v="9" actId="1076"/>
+          <ac:chgData name="Amalie Paulsen" userId="39cddf5216acb62b" providerId="LiveId" clId="{4231CD6D-ABDA-431A-9D55-240B6E9A8908}" dt="2022-06-15T14:11:15.523" v="33" actId="1076"/>
           <ac:picMkLst>
             <pc:docMk/>
             <pc:sldMk cId="2361593253" sldId="256"/>
@@ -155,7 +163,7 @@
           </ac:picMkLst>
         </pc:picChg>
         <pc:picChg chg="mod">
-          <ac:chgData name="Amalie Paulsen" userId="39cddf5216acb62b" providerId="LiveId" clId="{4231CD6D-ABDA-431A-9D55-240B6E9A8908}" dt="2022-04-26T15:39:09.682" v="5" actId="1076"/>
+          <ac:chgData name="Amalie Paulsen" userId="39cddf5216acb62b" providerId="LiveId" clId="{4231CD6D-ABDA-431A-9D55-240B6E9A8908}" dt="2022-06-15T14:10:45.467" v="24" actId="1076"/>
           <ac:picMkLst>
             <pc:docMk/>
             <pc:sldMk cId="2361593253" sldId="256"/>
@@ -163,7 +171,7 @@
           </ac:picMkLst>
         </pc:picChg>
         <pc:picChg chg="mod">
-          <ac:chgData name="Amalie Paulsen" userId="39cddf5216acb62b" providerId="LiveId" clId="{4231CD6D-ABDA-431A-9D55-240B6E9A8908}" dt="2022-04-26T15:39:39.459" v="8" actId="1076"/>
+          <ac:chgData name="Amalie Paulsen" userId="39cddf5216acb62b" providerId="LiveId" clId="{4231CD6D-ABDA-431A-9D55-240B6E9A8908}" dt="2022-06-15T14:10:39.978" v="23" actId="1076"/>
           <ac:picMkLst>
             <pc:docMk/>
             <pc:sldMk cId="2361593253" sldId="256"/>
@@ -307,7 +315,7 @@
           <a:p>
             <a:fld id="{AAE30440-C77B-4F04-97CB-85C3A2A514CF}" type="datetimeFigureOut">
               <a:rPr lang="en-DK" smtClean="0"/>
-              <a:t>26/04/2022</a:t>
+              <a:t>15/06/2022</a:t>
             </a:fld>
             <a:endParaRPr lang="en-DK"/>
           </a:p>
@@ -477,7 +485,7 @@
           <a:p>
             <a:fld id="{AAE30440-C77B-4F04-97CB-85C3A2A514CF}" type="datetimeFigureOut">
               <a:rPr lang="en-DK" smtClean="0"/>
-              <a:t>26/04/2022</a:t>
+              <a:t>15/06/2022</a:t>
             </a:fld>
             <a:endParaRPr lang="en-DK"/>
           </a:p>
@@ -657,7 +665,7 @@
           <a:p>
             <a:fld id="{AAE30440-C77B-4F04-97CB-85C3A2A514CF}" type="datetimeFigureOut">
               <a:rPr lang="en-DK" smtClean="0"/>
-              <a:t>26/04/2022</a:t>
+              <a:t>15/06/2022</a:t>
             </a:fld>
             <a:endParaRPr lang="en-DK"/>
           </a:p>
@@ -827,7 +835,7 @@
           <a:p>
             <a:fld id="{AAE30440-C77B-4F04-97CB-85C3A2A514CF}" type="datetimeFigureOut">
               <a:rPr lang="en-DK" smtClean="0"/>
-              <a:t>26/04/2022</a:t>
+              <a:t>15/06/2022</a:t>
             </a:fld>
             <a:endParaRPr lang="en-DK"/>
           </a:p>
@@ -1071,7 +1079,7 @@
           <a:p>
             <a:fld id="{AAE30440-C77B-4F04-97CB-85C3A2A514CF}" type="datetimeFigureOut">
               <a:rPr lang="en-DK" smtClean="0"/>
-              <a:t>26/04/2022</a:t>
+              <a:t>15/06/2022</a:t>
             </a:fld>
             <a:endParaRPr lang="en-DK"/>
           </a:p>
@@ -1303,7 +1311,7 @@
           <a:p>
             <a:fld id="{AAE30440-C77B-4F04-97CB-85C3A2A514CF}" type="datetimeFigureOut">
               <a:rPr lang="en-DK" smtClean="0"/>
-              <a:t>26/04/2022</a:t>
+              <a:t>15/06/2022</a:t>
             </a:fld>
             <a:endParaRPr lang="en-DK"/>
           </a:p>
@@ -1670,7 +1678,7 @@
           <a:p>
             <a:fld id="{AAE30440-C77B-4F04-97CB-85C3A2A514CF}" type="datetimeFigureOut">
               <a:rPr lang="en-DK" smtClean="0"/>
-              <a:t>26/04/2022</a:t>
+              <a:t>15/06/2022</a:t>
             </a:fld>
             <a:endParaRPr lang="en-DK"/>
           </a:p>
@@ -1788,7 +1796,7 @@
           <a:p>
             <a:fld id="{AAE30440-C77B-4F04-97CB-85C3A2A514CF}" type="datetimeFigureOut">
               <a:rPr lang="en-DK" smtClean="0"/>
-              <a:t>26/04/2022</a:t>
+              <a:t>15/06/2022</a:t>
             </a:fld>
             <a:endParaRPr lang="en-DK"/>
           </a:p>
@@ -1883,7 +1891,7 @@
           <a:p>
             <a:fld id="{AAE30440-C77B-4F04-97CB-85C3A2A514CF}" type="datetimeFigureOut">
               <a:rPr lang="en-DK" smtClean="0"/>
-              <a:t>26/04/2022</a:t>
+              <a:t>15/06/2022</a:t>
             </a:fld>
             <a:endParaRPr lang="en-DK"/>
           </a:p>
@@ -2160,7 +2168,7 @@
           <a:p>
             <a:fld id="{AAE30440-C77B-4F04-97CB-85C3A2A514CF}" type="datetimeFigureOut">
               <a:rPr lang="en-DK" smtClean="0"/>
-              <a:t>26/04/2022</a:t>
+              <a:t>15/06/2022</a:t>
             </a:fld>
             <a:endParaRPr lang="en-DK"/>
           </a:p>
@@ -2417,7 +2425,7 @@
           <a:p>
             <a:fld id="{AAE30440-C77B-4F04-97CB-85C3A2A514CF}" type="datetimeFigureOut">
               <a:rPr lang="en-DK" smtClean="0"/>
-              <a:t>26/04/2022</a:t>
+              <a:t>15/06/2022</a:t>
             </a:fld>
             <a:endParaRPr lang="en-DK"/>
           </a:p>
@@ -2630,7 +2638,7 @@
           <a:p>
             <a:fld id="{AAE30440-C77B-4F04-97CB-85C3A2A514CF}" type="datetimeFigureOut">
               <a:rPr lang="en-DK" smtClean="0"/>
-              <a:t>26/04/2022</a:t>
+              <a:t>15/06/2022</a:t>
             </a:fld>
             <a:endParaRPr lang="en-DK"/>
           </a:p>
@@ -3063,7 +3071,7 @@
         </p:blipFill>
         <p:spPr>
           <a:xfrm>
-            <a:off x="4593339" y="27542"/>
+            <a:off x="5287607" y="-14739"/>
             <a:ext cx="1607766" cy="655399"/>
           </a:xfrm>
           <a:prstGeom prst="rect">
@@ -3099,7 +3107,7 @@
         </p:blipFill>
         <p:spPr>
           <a:xfrm>
-            <a:off x="6201107" y="27542"/>
+            <a:off x="4106943" y="27542"/>
             <a:ext cx="598378" cy="598378"/>
           </a:xfrm>
           <a:prstGeom prst="rect">
@@ -3135,8 +3143,37 @@
         </p:blipFill>
         <p:spPr>
           <a:xfrm>
-            <a:off x="4018682" y="27542"/>
+            <a:off x="4735524" y="14742"/>
             <a:ext cx="574657" cy="625918"/>
+          </a:xfrm>
+          <a:prstGeom prst="rect">
+            <a:avLst/>
+          </a:prstGeom>
+        </p:spPr>
+      </p:pic>
+      <p:pic>
+        <p:nvPicPr>
+          <p:cNvPr id="3" name="Picture 2">
+            <a:extLst>
+              <a:ext uri="{FF2B5EF4-FFF2-40B4-BE49-F238E27FC236}">
+                <a16:creationId xmlns:a16="http://schemas.microsoft.com/office/drawing/2014/main" id="{EEE7232D-0A47-BA77-AF62-A23C5798932C}"/>
+              </a:ext>
+            </a:extLst>
+          </p:cNvPr>
+          <p:cNvPicPr>
+            <a:picLocks noChangeAspect="1"/>
+          </p:cNvPicPr>
+          <p:nvPr/>
+        </p:nvPicPr>
+        <p:blipFill rotWithShape="1">
+          <a:blip r:embed="rId5"/>
+          <a:srcRect l="1" r="2660"/>
+          <a:stretch/>
+        </p:blipFill>
+        <p:spPr>
+          <a:xfrm>
+            <a:off x="3453342" y="-14739"/>
+            <a:ext cx="653601" cy="676335"/>
           </a:xfrm>
           <a:prstGeom prst="rect">
             <a:avLst/>
